--- a/Assignment Step 2_WID170047_17166150.pptx
+++ b/Assignment Step 2_WID170047_17166150.pptx
@@ -106,6 +106,11 @@
       </a:defRPr>
     </a:lvl9pPr>
   </p:defaultTextStyle>
+  <p:extLst>
+    <p:ext uri="{EFAFB233-063F-42B5-8137-9DF3F51BA10A}">
+      <p15:sldGuideLst xmlns:p15="http://schemas.microsoft.com/office/powerpoint/2012/main"/>
+    </p:ext>
+  </p:extLst>
 </p:presentation>
 </file>
 
@@ -1014,6 +1019,78 @@
         </a:p>
       </dgm:t>
     </dgm:pt>
+    <dgm:pt modelId="{C01F67B0-A5A0-4B1B-A4FB-D3C318210AD8}">
+      <dgm:prSet/>
+      <dgm:spPr/>
+      <dgm:t>
+        <a:bodyPr/>
+        <a:lstStyle/>
+        <a:p>
+          <a:r>
+            <a:rPr lang="en-GB" dirty="0"/>
+            <a:t>Model Training (Finetune from InceptionV3 model)</a:t>
+          </a:r>
+        </a:p>
+      </dgm:t>
+    </dgm:pt>
+    <dgm:pt modelId="{05FD53C7-D8B4-409E-B17B-CE229B055F5F}" type="parTrans" cxnId="{7CA42D21-B8BD-47AA-9560-0314097885E5}">
+      <dgm:prSet/>
+      <dgm:spPr/>
+      <dgm:t>
+        <a:bodyPr/>
+        <a:lstStyle/>
+        <a:p>
+          <a:endParaRPr lang="en-GB"/>
+        </a:p>
+      </dgm:t>
+    </dgm:pt>
+    <dgm:pt modelId="{608F570E-7771-41FC-8752-6A9AB2450B32}" type="sibTrans" cxnId="{7CA42D21-B8BD-47AA-9560-0314097885E5}">
+      <dgm:prSet/>
+      <dgm:spPr/>
+      <dgm:t>
+        <a:bodyPr/>
+        <a:lstStyle/>
+        <a:p>
+          <a:endParaRPr lang="en-GB"/>
+        </a:p>
+      </dgm:t>
+    </dgm:pt>
+    <dgm:pt modelId="{0D213425-71DF-4659-918C-2ACBFD687934}">
+      <dgm:prSet/>
+      <dgm:spPr/>
+      <dgm:t>
+        <a:bodyPr/>
+        <a:lstStyle/>
+        <a:p>
+          <a:r>
+            <a:rPr lang="en-GB" dirty="0"/>
+            <a:t>Model Evaluation (Confusion matrix, ROC curve, Grad-CAM)</a:t>
+          </a:r>
+        </a:p>
+      </dgm:t>
+    </dgm:pt>
+    <dgm:pt modelId="{EFF8B6F1-1D20-49CE-B34A-D1AC49C33C73}" type="parTrans" cxnId="{86B480D6-AE92-4073-8CC5-03EEEE53D0D7}">
+      <dgm:prSet/>
+      <dgm:spPr/>
+      <dgm:t>
+        <a:bodyPr/>
+        <a:lstStyle/>
+        <a:p>
+          <a:endParaRPr lang="en-GB"/>
+        </a:p>
+      </dgm:t>
+    </dgm:pt>
+    <dgm:pt modelId="{FC59E9D1-0F16-44BA-8D25-48BB752F607C}" type="sibTrans" cxnId="{86B480D6-AE92-4073-8CC5-03EEEE53D0D7}">
+      <dgm:prSet/>
+      <dgm:spPr/>
+      <dgm:t>
+        <a:bodyPr/>
+        <a:lstStyle/>
+        <a:p>
+          <a:endParaRPr lang="en-GB"/>
+        </a:p>
+      </dgm:t>
+    </dgm:pt>
     <dgm:pt modelId="{EF406F1E-15B9-4570-809F-E7480178DFC9}" type="pres">
       <dgm:prSet presAssocID="{736992A0-3B91-4C61-A4CC-9FA4BA49CCC3}" presName="Name0" presStyleCnt="0">
         <dgm:presLayoutVars>
@@ -1024,7 +1101,7 @@
       <dgm:spPr/>
     </dgm:pt>
     <dgm:pt modelId="{A635962B-8A7E-4F00-A4F6-07B71D4B66F3}" type="pres">
-      <dgm:prSet presAssocID="{3A86A811-96FB-471D-B883-C29A3333F8BE}" presName="node" presStyleLbl="node1" presStyleIdx="0" presStyleCnt="4">
+      <dgm:prSet presAssocID="{3A86A811-96FB-471D-B883-C29A3333F8BE}" presName="node" presStyleLbl="node1" presStyleIdx="0" presStyleCnt="6">
         <dgm:presLayoutVars>
           <dgm:bulletEnabled val="1"/>
         </dgm:presLayoutVars>
@@ -1032,15 +1109,15 @@
       <dgm:spPr/>
     </dgm:pt>
     <dgm:pt modelId="{1A914EC0-16FE-49CE-8D8F-E3D9537D736B}" type="pres">
-      <dgm:prSet presAssocID="{C70DE8A0-9EE4-4CB1-B835-5BAAAD3AED47}" presName="sibTrans" presStyleLbl="sibTrans1D1" presStyleIdx="0" presStyleCnt="3"/>
+      <dgm:prSet presAssocID="{C70DE8A0-9EE4-4CB1-B835-5BAAAD3AED47}" presName="sibTrans" presStyleLbl="sibTrans1D1" presStyleIdx="0" presStyleCnt="5"/>
       <dgm:spPr/>
     </dgm:pt>
     <dgm:pt modelId="{EEDD6435-5AC5-4FA0-8585-EE09A9F431A6}" type="pres">
-      <dgm:prSet presAssocID="{C70DE8A0-9EE4-4CB1-B835-5BAAAD3AED47}" presName="connectorText" presStyleLbl="sibTrans1D1" presStyleIdx="0" presStyleCnt="3"/>
+      <dgm:prSet presAssocID="{C70DE8A0-9EE4-4CB1-B835-5BAAAD3AED47}" presName="connectorText" presStyleLbl="sibTrans1D1" presStyleIdx="0" presStyleCnt="5"/>
       <dgm:spPr/>
     </dgm:pt>
     <dgm:pt modelId="{D722EAA7-2801-47F9-88FE-6541D054C1C6}" type="pres">
-      <dgm:prSet presAssocID="{38F12B40-EFBD-41DA-8FA2-D19C4B65A57B}" presName="node" presStyleLbl="node1" presStyleIdx="1" presStyleCnt="4">
+      <dgm:prSet presAssocID="{38F12B40-EFBD-41DA-8FA2-D19C4B65A57B}" presName="node" presStyleLbl="node1" presStyleIdx="1" presStyleCnt="6">
         <dgm:presLayoutVars>
           <dgm:bulletEnabled val="1"/>
         </dgm:presLayoutVars>
@@ -1048,15 +1125,15 @@
       <dgm:spPr/>
     </dgm:pt>
     <dgm:pt modelId="{7E31E46D-67AF-45CD-8FB3-6DA2B4121CAD}" type="pres">
-      <dgm:prSet presAssocID="{85CF0B01-1429-497A-8497-BE75A95579E9}" presName="sibTrans" presStyleLbl="sibTrans1D1" presStyleIdx="1" presStyleCnt="3"/>
+      <dgm:prSet presAssocID="{85CF0B01-1429-497A-8497-BE75A95579E9}" presName="sibTrans" presStyleLbl="sibTrans1D1" presStyleIdx="1" presStyleCnt="5"/>
       <dgm:spPr/>
     </dgm:pt>
     <dgm:pt modelId="{71074BD2-8C66-43A2-AD01-91CF5CE7D380}" type="pres">
-      <dgm:prSet presAssocID="{85CF0B01-1429-497A-8497-BE75A95579E9}" presName="connectorText" presStyleLbl="sibTrans1D1" presStyleIdx="1" presStyleCnt="3"/>
+      <dgm:prSet presAssocID="{85CF0B01-1429-497A-8497-BE75A95579E9}" presName="connectorText" presStyleLbl="sibTrans1D1" presStyleIdx="1" presStyleCnt="5"/>
       <dgm:spPr/>
     </dgm:pt>
     <dgm:pt modelId="{0D5CC97B-3FA8-443B-BFD8-6C130624DAD1}" type="pres">
-      <dgm:prSet presAssocID="{48CE0645-DFD3-4DBD-9A9D-5712B8A041B7}" presName="node" presStyleLbl="node1" presStyleIdx="2" presStyleCnt="4">
+      <dgm:prSet presAssocID="{48CE0645-DFD3-4DBD-9A9D-5712B8A041B7}" presName="node" presStyleLbl="node1" presStyleIdx="2" presStyleCnt="6">
         <dgm:presLayoutVars>
           <dgm:bulletEnabled val="1"/>
         </dgm:presLayoutVars>
@@ -1064,15 +1141,47 @@
       <dgm:spPr/>
     </dgm:pt>
     <dgm:pt modelId="{5441452D-2B83-423E-B0C8-574B2BD13A31}" type="pres">
-      <dgm:prSet presAssocID="{74200501-E4F2-4A9F-B3BD-D54F4A550259}" presName="sibTrans" presStyleLbl="sibTrans1D1" presStyleIdx="2" presStyleCnt="3"/>
+      <dgm:prSet presAssocID="{74200501-E4F2-4A9F-B3BD-D54F4A550259}" presName="sibTrans" presStyleLbl="sibTrans1D1" presStyleIdx="2" presStyleCnt="5"/>
       <dgm:spPr/>
     </dgm:pt>
     <dgm:pt modelId="{6097A166-D7D5-474F-972A-1B443B0DADB2}" type="pres">
-      <dgm:prSet presAssocID="{74200501-E4F2-4A9F-B3BD-D54F4A550259}" presName="connectorText" presStyleLbl="sibTrans1D1" presStyleIdx="2" presStyleCnt="3"/>
+      <dgm:prSet presAssocID="{74200501-E4F2-4A9F-B3BD-D54F4A550259}" presName="connectorText" presStyleLbl="sibTrans1D1" presStyleIdx="2" presStyleCnt="5"/>
       <dgm:spPr/>
     </dgm:pt>
     <dgm:pt modelId="{8524093E-C15C-418E-AD7C-73B918F1645B}" type="pres">
-      <dgm:prSet presAssocID="{4C134D7E-F45A-4BC5-8AEE-EB643F0742EB}" presName="node" presStyleLbl="node1" presStyleIdx="3" presStyleCnt="4">
+      <dgm:prSet presAssocID="{4C134D7E-F45A-4BC5-8AEE-EB643F0742EB}" presName="node" presStyleLbl="node1" presStyleIdx="3" presStyleCnt="6">
+        <dgm:presLayoutVars>
+          <dgm:bulletEnabled val="1"/>
+        </dgm:presLayoutVars>
+      </dgm:prSet>
+      <dgm:spPr/>
+    </dgm:pt>
+    <dgm:pt modelId="{F7762EE8-BF3F-4008-894F-3557C63F4D4F}" type="pres">
+      <dgm:prSet presAssocID="{1FDBE452-10C5-48B4-9BFC-7E7A2CC043EB}" presName="sibTrans" presStyleLbl="sibTrans1D1" presStyleIdx="3" presStyleCnt="5"/>
+      <dgm:spPr/>
+    </dgm:pt>
+    <dgm:pt modelId="{DD0536CA-E675-482E-8329-FF051A31CAAA}" type="pres">
+      <dgm:prSet presAssocID="{1FDBE452-10C5-48B4-9BFC-7E7A2CC043EB}" presName="connectorText" presStyleLbl="sibTrans1D1" presStyleIdx="3" presStyleCnt="5"/>
+      <dgm:spPr/>
+    </dgm:pt>
+    <dgm:pt modelId="{5BE7C618-C770-471F-9336-63CAE402860F}" type="pres">
+      <dgm:prSet presAssocID="{C01F67B0-A5A0-4B1B-A4FB-D3C318210AD8}" presName="node" presStyleLbl="node1" presStyleIdx="4" presStyleCnt="6">
+        <dgm:presLayoutVars>
+          <dgm:bulletEnabled val="1"/>
+        </dgm:presLayoutVars>
+      </dgm:prSet>
+      <dgm:spPr/>
+    </dgm:pt>
+    <dgm:pt modelId="{00C965C8-2F73-490A-9DC3-A3E4125F199D}" type="pres">
+      <dgm:prSet presAssocID="{608F570E-7771-41FC-8752-6A9AB2450B32}" presName="sibTrans" presStyleLbl="sibTrans1D1" presStyleIdx="4" presStyleCnt="5"/>
+      <dgm:spPr/>
+    </dgm:pt>
+    <dgm:pt modelId="{E71ECA44-9148-4F5F-B05E-6F182282D52A}" type="pres">
+      <dgm:prSet presAssocID="{608F570E-7771-41FC-8752-6A9AB2450B32}" presName="connectorText" presStyleLbl="sibTrans1D1" presStyleIdx="4" presStyleCnt="5"/>
+      <dgm:spPr/>
+    </dgm:pt>
+    <dgm:pt modelId="{1C19B03F-7855-4DDA-9A0E-26E2160B7C33}" type="pres">
+      <dgm:prSet presAssocID="{0D213425-71DF-4659-918C-2ACBFD687934}" presName="node" presStyleLbl="node1" presStyleIdx="5" presStyleCnt="6">
         <dgm:presLayoutVars>
           <dgm:bulletEnabled val="1"/>
         </dgm:presLayoutVars>
@@ -1082,18 +1191,26 @@
   </dgm:ptLst>
   <dgm:cxnLst>
     <dgm:cxn modelId="{CC222105-8BCA-465D-8E39-788BCEE88386}" type="presOf" srcId="{C70DE8A0-9EE4-4CB1-B835-5BAAAD3AED47}" destId="{EEDD6435-5AC5-4FA0-8585-EE09A9F431A6}" srcOrd="1" destOrd="0" presId="urn:microsoft.com/office/officeart/2005/8/layout/bProcess3"/>
+    <dgm:cxn modelId="{7CA42D21-B8BD-47AA-9560-0314097885E5}" srcId="{736992A0-3B91-4C61-A4CC-9FA4BA49CCC3}" destId="{C01F67B0-A5A0-4B1B-A4FB-D3C318210AD8}" srcOrd="4" destOrd="0" parTransId="{05FD53C7-D8B4-409E-B17B-CE229B055F5F}" sibTransId="{608F570E-7771-41FC-8752-6A9AB2450B32}"/>
+    <dgm:cxn modelId="{A0976F34-3002-4CB8-B9EF-37EAD79C31F9}" type="presOf" srcId="{608F570E-7771-41FC-8752-6A9AB2450B32}" destId="{E71ECA44-9148-4F5F-B05E-6F182282D52A}" srcOrd="1" destOrd="0" presId="urn:microsoft.com/office/officeart/2005/8/layout/bProcess3"/>
     <dgm:cxn modelId="{62F87836-27F9-4949-81EB-4CCA62251251}" srcId="{736992A0-3B91-4C61-A4CC-9FA4BA49CCC3}" destId="{38F12B40-EFBD-41DA-8FA2-D19C4B65A57B}" srcOrd="1" destOrd="0" parTransId="{80710E10-ED13-4DCF-9B4D-01A8856E8E63}" sibTransId="{85CF0B01-1429-497A-8497-BE75A95579E9}"/>
     <dgm:cxn modelId="{69AED539-A3C7-415A-ADD8-B1DAFB50CD7A}" type="presOf" srcId="{85CF0B01-1429-497A-8497-BE75A95579E9}" destId="{71074BD2-8C66-43A2-AD01-91CF5CE7D380}" srcOrd="1" destOrd="0" presId="urn:microsoft.com/office/officeart/2005/8/layout/bProcess3"/>
     <dgm:cxn modelId="{B1D7075D-99CD-459B-BDB8-1DF08CFFA01C}" srcId="{736992A0-3B91-4C61-A4CC-9FA4BA49CCC3}" destId="{3A86A811-96FB-471D-B883-C29A3333F8BE}" srcOrd="0" destOrd="0" parTransId="{02A97837-B31B-4BF6-B0A5-6486F7276305}" sibTransId="{C70DE8A0-9EE4-4CB1-B835-5BAAAD3AED47}"/>
+    <dgm:cxn modelId="{D0852963-FDDE-4AFA-ADF5-49168E56ABE0}" type="presOf" srcId="{1FDBE452-10C5-48B4-9BFC-7E7A2CC043EB}" destId="{F7762EE8-BF3F-4008-894F-3557C63F4D4F}" srcOrd="0" destOrd="0" presId="urn:microsoft.com/office/officeart/2005/8/layout/bProcess3"/>
+    <dgm:cxn modelId="{D2CA9B64-AC39-41B9-970B-70BC17813D41}" type="presOf" srcId="{608F570E-7771-41FC-8752-6A9AB2450B32}" destId="{00C965C8-2F73-490A-9DC3-A3E4125F199D}" srcOrd="0" destOrd="0" presId="urn:microsoft.com/office/officeart/2005/8/layout/bProcess3"/>
     <dgm:cxn modelId="{13F7677B-2BD7-480E-8495-ADB096B1032B}" type="presOf" srcId="{48CE0645-DFD3-4DBD-9A9D-5712B8A041B7}" destId="{0D5CC97B-3FA8-443B-BFD8-6C130624DAD1}" srcOrd="0" destOrd="0" presId="urn:microsoft.com/office/officeart/2005/8/layout/bProcess3"/>
     <dgm:cxn modelId="{C63ECC7B-DD85-4BB8-B3C5-A97CB62BC087}" srcId="{736992A0-3B91-4C61-A4CC-9FA4BA49CCC3}" destId="{4C134D7E-F45A-4BC5-8AEE-EB643F0742EB}" srcOrd="3" destOrd="0" parTransId="{9117A4BA-93E6-474C-817D-0C360986A71C}" sibTransId="{1FDBE452-10C5-48B4-9BFC-7E7A2CC043EB}"/>
     <dgm:cxn modelId="{28246082-A3B6-4179-9B07-E10D73D7435C}" type="presOf" srcId="{38F12B40-EFBD-41DA-8FA2-D19C4B65A57B}" destId="{D722EAA7-2801-47F9-88FE-6541D054C1C6}" srcOrd="0" destOrd="0" presId="urn:microsoft.com/office/officeart/2005/8/layout/bProcess3"/>
     <dgm:cxn modelId="{091BB189-7FAE-46A5-9E54-2D2C695AF553}" type="presOf" srcId="{4C134D7E-F45A-4BC5-8AEE-EB643F0742EB}" destId="{8524093E-C15C-418E-AD7C-73B918F1645B}" srcOrd="0" destOrd="0" presId="urn:microsoft.com/office/officeart/2005/8/layout/bProcess3"/>
+    <dgm:cxn modelId="{1F796E98-E49E-4063-80DE-52106B1A7B49}" type="presOf" srcId="{1FDBE452-10C5-48B4-9BFC-7E7A2CC043EB}" destId="{DD0536CA-E675-482E-8329-FF051A31CAAA}" srcOrd="1" destOrd="0" presId="urn:microsoft.com/office/officeart/2005/8/layout/bProcess3"/>
+    <dgm:cxn modelId="{B4596C9A-E11D-4D9D-9FDD-BFBA836187A7}" type="presOf" srcId="{C01F67B0-A5A0-4B1B-A4FB-D3C318210AD8}" destId="{5BE7C618-C770-471F-9336-63CAE402860F}" srcOrd="0" destOrd="0" presId="urn:microsoft.com/office/officeart/2005/8/layout/bProcess3"/>
+    <dgm:cxn modelId="{89932FAA-BF63-4B12-9F4A-1CC7D94E8CAE}" type="presOf" srcId="{0D213425-71DF-4659-918C-2ACBFD687934}" destId="{1C19B03F-7855-4DDA-9A0E-26E2160B7C33}" srcOrd="0" destOrd="0" presId="urn:microsoft.com/office/officeart/2005/8/layout/bProcess3"/>
     <dgm:cxn modelId="{49FF4AAA-8EBB-42FC-8DF0-E718DD297A71}" type="presOf" srcId="{3A86A811-96FB-471D-B883-C29A3333F8BE}" destId="{A635962B-8A7E-4F00-A4F6-07B71D4B66F3}" srcOrd="0" destOrd="0" presId="urn:microsoft.com/office/officeart/2005/8/layout/bProcess3"/>
     <dgm:cxn modelId="{BD9976B0-6177-4B02-91DB-246B7A2C748F}" srcId="{736992A0-3B91-4C61-A4CC-9FA4BA49CCC3}" destId="{48CE0645-DFD3-4DBD-9A9D-5712B8A041B7}" srcOrd="2" destOrd="0" parTransId="{3EBCE2F8-7EB4-4B43-8C63-EC273513741B}" sibTransId="{74200501-E4F2-4A9F-B3BD-D54F4A550259}"/>
     <dgm:cxn modelId="{8FDAF9C3-24DE-4829-A325-54BECC418F0F}" type="presOf" srcId="{74200501-E4F2-4A9F-B3BD-D54F4A550259}" destId="{5441452D-2B83-423E-B0C8-574B2BD13A31}" srcOrd="0" destOrd="0" presId="urn:microsoft.com/office/officeart/2005/8/layout/bProcess3"/>
     <dgm:cxn modelId="{AF41D0C5-DBE1-439B-A79A-EE366A724A1B}" type="presOf" srcId="{85CF0B01-1429-497A-8497-BE75A95579E9}" destId="{7E31E46D-67AF-45CD-8FB3-6DA2B4121CAD}" srcOrd="0" destOrd="0" presId="urn:microsoft.com/office/officeart/2005/8/layout/bProcess3"/>
     <dgm:cxn modelId="{3B3FE0C7-DA07-44D6-8C4B-882F18879088}" type="presOf" srcId="{736992A0-3B91-4C61-A4CC-9FA4BA49CCC3}" destId="{EF406F1E-15B9-4570-809F-E7480178DFC9}" srcOrd="0" destOrd="0" presId="urn:microsoft.com/office/officeart/2005/8/layout/bProcess3"/>
+    <dgm:cxn modelId="{86B480D6-AE92-4073-8CC5-03EEEE53D0D7}" srcId="{736992A0-3B91-4C61-A4CC-9FA4BA49CCC3}" destId="{0D213425-71DF-4659-918C-2ACBFD687934}" srcOrd="5" destOrd="0" parTransId="{EFF8B6F1-1D20-49CE-B34A-D1AC49C33C73}" sibTransId="{FC59E9D1-0F16-44BA-8D25-48BB752F607C}"/>
     <dgm:cxn modelId="{E1C8A5F3-BD12-46E3-B21F-652B0259360E}" type="presOf" srcId="{74200501-E4F2-4A9F-B3BD-D54F4A550259}" destId="{6097A166-D7D5-474F-972A-1B443B0DADB2}" srcOrd="1" destOrd="0" presId="urn:microsoft.com/office/officeart/2005/8/layout/bProcess3"/>
     <dgm:cxn modelId="{557A56FE-9CF9-41A2-92B6-CD70124A6AB3}" type="presOf" srcId="{C70DE8A0-9EE4-4CB1-B835-5BAAAD3AED47}" destId="{1A914EC0-16FE-49CE-8D8F-E3D9537D736B}" srcOrd="0" destOrd="0" presId="urn:microsoft.com/office/officeart/2005/8/layout/bProcess3"/>
     <dgm:cxn modelId="{AB47888A-2F04-4107-8E01-2AC34B1000D1}" type="presParOf" srcId="{EF406F1E-15B9-4570-809F-E7480178DFC9}" destId="{A635962B-8A7E-4F00-A4F6-07B71D4B66F3}" srcOrd="0" destOrd="0" presId="urn:microsoft.com/office/officeart/2005/8/layout/bProcess3"/>
@@ -1106,6 +1223,12 @@
     <dgm:cxn modelId="{E3A83531-493E-4E53-8DED-F47F4C59B24E}" type="presParOf" srcId="{EF406F1E-15B9-4570-809F-E7480178DFC9}" destId="{5441452D-2B83-423E-B0C8-574B2BD13A31}" srcOrd="5" destOrd="0" presId="urn:microsoft.com/office/officeart/2005/8/layout/bProcess3"/>
     <dgm:cxn modelId="{0C0EF6F7-FA21-4611-AADE-614ADFB4291F}" type="presParOf" srcId="{5441452D-2B83-423E-B0C8-574B2BD13A31}" destId="{6097A166-D7D5-474F-972A-1B443B0DADB2}" srcOrd="0" destOrd="0" presId="urn:microsoft.com/office/officeart/2005/8/layout/bProcess3"/>
     <dgm:cxn modelId="{6DB8B565-A0D9-46DD-8B0E-F9459B6A081A}" type="presParOf" srcId="{EF406F1E-15B9-4570-809F-E7480178DFC9}" destId="{8524093E-C15C-418E-AD7C-73B918F1645B}" srcOrd="6" destOrd="0" presId="urn:microsoft.com/office/officeart/2005/8/layout/bProcess3"/>
+    <dgm:cxn modelId="{79BBA3FD-87D3-4EF3-B0DE-FE176EC791A3}" type="presParOf" srcId="{EF406F1E-15B9-4570-809F-E7480178DFC9}" destId="{F7762EE8-BF3F-4008-894F-3557C63F4D4F}" srcOrd="7" destOrd="0" presId="urn:microsoft.com/office/officeart/2005/8/layout/bProcess3"/>
+    <dgm:cxn modelId="{399D1C0C-11E2-41E2-8C0C-F80714A09DE1}" type="presParOf" srcId="{F7762EE8-BF3F-4008-894F-3557C63F4D4F}" destId="{DD0536CA-E675-482E-8329-FF051A31CAAA}" srcOrd="0" destOrd="0" presId="urn:microsoft.com/office/officeart/2005/8/layout/bProcess3"/>
+    <dgm:cxn modelId="{A5B8CA1E-57D7-4F93-934C-9119CB5C2BE5}" type="presParOf" srcId="{EF406F1E-15B9-4570-809F-E7480178DFC9}" destId="{5BE7C618-C770-471F-9336-63CAE402860F}" srcOrd="8" destOrd="0" presId="urn:microsoft.com/office/officeart/2005/8/layout/bProcess3"/>
+    <dgm:cxn modelId="{696AE51C-EAE5-484A-BAAF-C33AEF2E742F}" type="presParOf" srcId="{EF406F1E-15B9-4570-809F-E7480178DFC9}" destId="{00C965C8-2F73-490A-9DC3-A3E4125F199D}" srcOrd="9" destOrd="0" presId="urn:microsoft.com/office/officeart/2005/8/layout/bProcess3"/>
+    <dgm:cxn modelId="{D90A911C-AC69-4B97-B309-8A34C2DA625B}" type="presParOf" srcId="{00C965C8-2F73-490A-9DC3-A3E4125F199D}" destId="{E71ECA44-9148-4F5F-B05E-6F182282D52A}" srcOrd="0" destOrd="0" presId="urn:microsoft.com/office/officeart/2005/8/layout/bProcess3"/>
+    <dgm:cxn modelId="{426E95A3-B00E-4E74-B417-30A0188AD9B1}" type="presParOf" srcId="{EF406F1E-15B9-4570-809F-E7480178DFC9}" destId="{1C19B03F-7855-4DDA-9A0E-26E2160B7C33}" srcOrd="10" destOrd="0" presId="urn:microsoft.com/office/officeart/2005/8/layout/bProcess3"/>
   </dgm:cxnLst>
   <dgm:bg/>
   <dgm:whole/>
@@ -1132,8 +1255,8 @@
       </dsp:nvSpPr>
       <dsp:spPr>
         <a:xfrm>
-          <a:off x="4906438" y="868487"/>
-          <a:ext cx="668523" cy="91440"/>
+          <a:off x="3040792" y="870618"/>
+          <a:ext cx="667342" cy="91440"/>
         </a:xfrm>
         <a:custGeom>
           <a:avLst/>
@@ -1147,7 +1270,7 @@
                 <a:pt x="0" y="45720"/>
               </a:moveTo>
               <a:lnTo>
-                <a:pt x="668523" y="45720"/>
+                <a:pt x="667342" y="45720"/>
               </a:lnTo>
             </a:path>
           </a:pathLst>
@@ -1202,8 +1325,8 @@
         </a:p>
       </dsp:txBody>
       <dsp:txXfrm>
-        <a:off x="5223221" y="910712"/>
-        <a:ext cx="34956" cy="6991"/>
+        <a:off x="3357014" y="912848"/>
+        <a:ext cx="34897" cy="6979"/>
       </dsp:txXfrm>
     </dsp:sp>
     <dsp:sp modelId="{A635962B-8A7E-4F00-A4F6-07B71D4B66F3}">
@@ -1213,8 +1336,8 @@
       </dsp:nvSpPr>
       <dsp:spPr>
         <a:xfrm>
-          <a:off x="1868572" y="2308"/>
-          <a:ext cx="3039665" cy="1823799"/>
+          <a:off x="8061" y="5979"/>
+          <a:ext cx="3034531" cy="1820718"/>
         </a:xfrm>
         <a:prstGeom prst="rect">
           <a:avLst/>
@@ -1280,8 +1403,8 @@
         </a:p>
       </dsp:txBody>
       <dsp:txXfrm>
-        <a:off x="1868572" y="2308"/>
-        <a:ext cx="3039665" cy="1823799"/>
+        <a:off x="8061" y="5979"/>
+        <a:ext cx="3034531" cy="1820718"/>
       </dsp:txXfrm>
     </dsp:sp>
     <dsp:sp modelId="{7E31E46D-67AF-45CD-8FB3-6DA2B4121CAD}">
@@ -1291,8 +1414,8 @@
       </dsp:nvSpPr>
       <dsp:spPr>
         <a:xfrm>
-          <a:off x="3388405" y="1824307"/>
-          <a:ext cx="3738788" cy="668523"/>
+          <a:off x="6773265" y="870618"/>
+          <a:ext cx="667342" cy="91440"/>
         </a:xfrm>
         <a:custGeom>
           <a:avLst/>
@@ -1303,16 +1426,10 @@
           <a:pathLst>
             <a:path>
               <a:moveTo>
-                <a:pt x="3738788" y="0"/>
+                <a:pt x="0" y="45720"/>
               </a:moveTo>
               <a:lnTo>
-                <a:pt x="3738788" y="351361"/>
-              </a:lnTo>
-              <a:lnTo>
-                <a:pt x="0" y="351361"/>
-              </a:lnTo>
-              <a:lnTo>
-                <a:pt x="0" y="668523"/>
+                <a:pt x="667342" y="45720"/>
               </a:lnTo>
             </a:path>
           </a:pathLst>
@@ -1367,8 +1484,8 @@
         </a:p>
       </dsp:txBody>
       <dsp:txXfrm>
-        <a:off x="5162710" y="2155073"/>
-        <a:ext cx="190179" cy="6991"/>
+        <a:off x="7089488" y="912848"/>
+        <a:ext cx="34897" cy="6979"/>
       </dsp:txXfrm>
     </dsp:sp>
     <dsp:sp modelId="{D722EAA7-2801-47F9-88FE-6541D054C1C6}">
@@ -1378,8 +1495,8 @@
       </dsp:nvSpPr>
       <dsp:spPr>
         <a:xfrm>
-          <a:off x="5607361" y="2308"/>
-          <a:ext cx="3039665" cy="1823799"/>
+          <a:off x="3740534" y="5979"/>
+          <a:ext cx="3034531" cy="1820718"/>
         </a:xfrm>
         <a:prstGeom prst="rect">
           <a:avLst/>
@@ -1445,8 +1562,8 @@
         </a:p>
       </dsp:txBody>
       <dsp:txXfrm>
-        <a:off x="5607361" y="2308"/>
-        <a:ext cx="3039665" cy="1823799"/>
+        <a:off x="3740534" y="5979"/>
+        <a:ext cx="3034531" cy="1820718"/>
       </dsp:txXfrm>
     </dsp:sp>
     <dsp:sp modelId="{5441452D-2B83-423E-B0C8-574B2BD13A31}">
@@ -1456,8 +1573,8 @@
       </dsp:nvSpPr>
       <dsp:spPr>
         <a:xfrm>
-          <a:off x="4906438" y="3391410"/>
-          <a:ext cx="668523" cy="91440"/>
+          <a:off x="1525326" y="1824897"/>
+          <a:ext cx="7464946" cy="667342"/>
         </a:xfrm>
         <a:custGeom>
           <a:avLst/>
@@ -1468,10 +1585,16 @@
           <a:pathLst>
             <a:path>
               <a:moveTo>
-                <a:pt x="0" y="45720"/>
+                <a:pt x="7464946" y="0"/>
               </a:moveTo>
               <a:lnTo>
-                <a:pt x="668523" y="45720"/>
+                <a:pt x="7464946" y="350771"/>
+              </a:lnTo>
+              <a:lnTo>
+                <a:pt x="0" y="350771"/>
+              </a:lnTo>
+              <a:lnTo>
+                <a:pt x="0" y="667342"/>
               </a:lnTo>
             </a:path>
           </a:pathLst>
@@ -1526,8 +1649,8 @@
         </a:p>
       </dsp:txBody>
       <dsp:txXfrm>
-        <a:off x="5223221" y="3433634"/>
-        <a:ext cx="34956" cy="6991"/>
+        <a:off x="5070362" y="2155079"/>
+        <a:ext cx="374875" cy="6979"/>
       </dsp:txXfrm>
     </dsp:sp>
     <dsp:sp modelId="{0D5CC97B-3FA8-443B-BFD8-6C130624DAD1}">
@@ -1537,8 +1660,8 @@
       </dsp:nvSpPr>
       <dsp:spPr>
         <a:xfrm>
-          <a:off x="1868572" y="2525230"/>
-          <a:ext cx="3039665" cy="1823799"/>
+          <a:off x="7473007" y="5979"/>
+          <a:ext cx="3034531" cy="1820718"/>
         </a:xfrm>
         <a:prstGeom prst="rect">
           <a:avLst/>
@@ -1604,8 +1727,89 @@
         </a:p>
       </dsp:txBody>
       <dsp:txXfrm>
-        <a:off x="1868572" y="2525230"/>
-        <a:ext cx="3039665" cy="1823799"/>
+        <a:off x="7473007" y="5979"/>
+        <a:ext cx="3034531" cy="1820718"/>
+      </dsp:txXfrm>
+    </dsp:sp>
+    <dsp:sp modelId="{F7762EE8-BF3F-4008-894F-3557C63F4D4F}">
+      <dsp:nvSpPr>
+        <dsp:cNvPr id="0" name=""/>
+        <dsp:cNvSpPr/>
+      </dsp:nvSpPr>
+      <dsp:spPr>
+        <a:xfrm>
+          <a:off x="3040792" y="3389279"/>
+          <a:ext cx="667342" cy="91440"/>
+        </a:xfrm>
+        <a:custGeom>
+          <a:avLst/>
+          <a:gdLst/>
+          <a:ahLst/>
+          <a:cxnLst/>
+          <a:rect l="0" t="0" r="0" b="0"/>
+          <a:pathLst>
+            <a:path>
+              <a:moveTo>
+                <a:pt x="0" y="45720"/>
+              </a:moveTo>
+              <a:lnTo>
+                <a:pt x="667342" y="45720"/>
+              </a:lnTo>
+            </a:path>
+          </a:pathLst>
+        </a:custGeom>
+        <a:noFill/>
+        <a:ln w="6350" cap="flat" cmpd="sng" algn="ctr">
+          <a:solidFill>
+            <a:schemeClr val="accent1">
+              <a:hueOff val="0"/>
+              <a:satOff val="0"/>
+              <a:lumOff val="0"/>
+              <a:alphaOff val="0"/>
+            </a:schemeClr>
+          </a:solidFill>
+          <a:prstDash val="solid"/>
+          <a:miter lim="800000"/>
+          <a:tailEnd type="arrow"/>
+        </a:ln>
+        <a:effectLst/>
+      </dsp:spPr>
+      <dsp:style>
+        <a:lnRef idx="1">
+          <a:scrgbClr r="0" g="0" b="0"/>
+        </a:lnRef>
+        <a:fillRef idx="0">
+          <a:scrgbClr r="0" g="0" b="0"/>
+        </a:fillRef>
+        <a:effectRef idx="0">
+          <a:scrgbClr r="0" g="0" b="0"/>
+        </a:effectRef>
+        <a:fontRef idx="minor"/>
+      </dsp:style>
+      <dsp:txBody>
+        <a:bodyPr spcFirstLastPara="0" vert="horz" wrap="square" lIns="12700" tIns="0" rIns="12700" bIns="0" numCol="1" spcCol="1270" anchor="ctr" anchorCtr="0">
+          <a:noAutofit/>
+        </a:bodyPr>
+        <a:lstStyle/>
+        <a:p>
+          <a:pPr marL="0" lvl="0" indent="0" algn="ctr" defTabSz="222250">
+            <a:lnSpc>
+              <a:spcPct val="90000"/>
+            </a:lnSpc>
+            <a:spcBef>
+              <a:spcPct val="0"/>
+            </a:spcBef>
+            <a:spcAft>
+              <a:spcPct val="35000"/>
+            </a:spcAft>
+            <a:buNone/>
+          </a:pPr>
+          <a:endParaRPr lang="en-GB" sz="500" kern="1200"/>
+        </a:p>
+      </dsp:txBody>
+      <dsp:txXfrm>
+        <a:off x="3357014" y="3431509"/>
+        <a:ext cx="34897" cy="6979"/>
       </dsp:txXfrm>
     </dsp:sp>
     <dsp:sp modelId="{8524093E-C15C-418E-AD7C-73B918F1645B}">
@@ -1615,8 +1819,8 @@
       </dsp:nvSpPr>
       <dsp:spPr>
         <a:xfrm>
-          <a:off x="5607361" y="2525230"/>
-          <a:ext cx="3039665" cy="1823799"/>
+          <a:off x="8061" y="2524640"/>
+          <a:ext cx="3034531" cy="1820718"/>
         </a:xfrm>
         <a:prstGeom prst="rect">
           <a:avLst/>
@@ -1682,8 +1886,245 @@
         </a:p>
       </dsp:txBody>
       <dsp:txXfrm>
-        <a:off x="5607361" y="2525230"/>
-        <a:ext cx="3039665" cy="1823799"/>
+        <a:off x="8061" y="2524640"/>
+        <a:ext cx="3034531" cy="1820718"/>
+      </dsp:txXfrm>
+    </dsp:sp>
+    <dsp:sp modelId="{00C965C8-2F73-490A-9DC3-A3E4125F199D}">
+      <dsp:nvSpPr>
+        <dsp:cNvPr id="0" name=""/>
+        <dsp:cNvSpPr/>
+      </dsp:nvSpPr>
+      <dsp:spPr>
+        <a:xfrm>
+          <a:off x="6773265" y="3389279"/>
+          <a:ext cx="667342" cy="91440"/>
+        </a:xfrm>
+        <a:custGeom>
+          <a:avLst/>
+          <a:gdLst/>
+          <a:ahLst/>
+          <a:cxnLst/>
+          <a:rect l="0" t="0" r="0" b="0"/>
+          <a:pathLst>
+            <a:path>
+              <a:moveTo>
+                <a:pt x="0" y="45720"/>
+              </a:moveTo>
+              <a:lnTo>
+                <a:pt x="667342" y="45720"/>
+              </a:lnTo>
+            </a:path>
+          </a:pathLst>
+        </a:custGeom>
+        <a:noFill/>
+        <a:ln w="6350" cap="flat" cmpd="sng" algn="ctr">
+          <a:solidFill>
+            <a:schemeClr val="accent1">
+              <a:hueOff val="0"/>
+              <a:satOff val="0"/>
+              <a:lumOff val="0"/>
+              <a:alphaOff val="0"/>
+            </a:schemeClr>
+          </a:solidFill>
+          <a:prstDash val="solid"/>
+          <a:miter lim="800000"/>
+          <a:tailEnd type="arrow"/>
+        </a:ln>
+        <a:effectLst/>
+      </dsp:spPr>
+      <dsp:style>
+        <a:lnRef idx="1">
+          <a:scrgbClr r="0" g="0" b="0"/>
+        </a:lnRef>
+        <a:fillRef idx="0">
+          <a:scrgbClr r="0" g="0" b="0"/>
+        </a:fillRef>
+        <a:effectRef idx="0">
+          <a:scrgbClr r="0" g="0" b="0"/>
+        </a:effectRef>
+        <a:fontRef idx="minor"/>
+      </dsp:style>
+      <dsp:txBody>
+        <a:bodyPr spcFirstLastPara="0" vert="horz" wrap="square" lIns="12700" tIns="0" rIns="12700" bIns="0" numCol="1" spcCol="1270" anchor="ctr" anchorCtr="0">
+          <a:noAutofit/>
+        </a:bodyPr>
+        <a:lstStyle/>
+        <a:p>
+          <a:pPr marL="0" lvl="0" indent="0" algn="ctr" defTabSz="222250">
+            <a:lnSpc>
+              <a:spcPct val="90000"/>
+            </a:lnSpc>
+            <a:spcBef>
+              <a:spcPct val="0"/>
+            </a:spcBef>
+            <a:spcAft>
+              <a:spcPct val="35000"/>
+            </a:spcAft>
+            <a:buNone/>
+          </a:pPr>
+          <a:endParaRPr lang="en-GB" sz="500" kern="1200"/>
+        </a:p>
+      </dsp:txBody>
+      <dsp:txXfrm>
+        <a:off x="7089488" y="3431509"/>
+        <a:ext cx="34897" cy="6979"/>
+      </dsp:txXfrm>
+    </dsp:sp>
+    <dsp:sp modelId="{5BE7C618-C770-471F-9336-63CAE402860F}">
+      <dsp:nvSpPr>
+        <dsp:cNvPr id="0" name=""/>
+        <dsp:cNvSpPr/>
+      </dsp:nvSpPr>
+      <dsp:spPr>
+        <a:xfrm>
+          <a:off x="3740534" y="2524640"/>
+          <a:ext cx="3034531" cy="1820718"/>
+        </a:xfrm>
+        <a:prstGeom prst="rect">
+          <a:avLst/>
+        </a:prstGeom>
+        <a:solidFill>
+          <a:schemeClr val="accent1">
+            <a:hueOff val="0"/>
+            <a:satOff val="0"/>
+            <a:lumOff val="0"/>
+            <a:alphaOff val="0"/>
+          </a:schemeClr>
+        </a:solidFill>
+        <a:ln w="12700" cap="flat" cmpd="sng" algn="ctr">
+          <a:solidFill>
+            <a:schemeClr val="lt1">
+              <a:hueOff val="0"/>
+              <a:satOff val="0"/>
+              <a:lumOff val="0"/>
+              <a:alphaOff val="0"/>
+            </a:schemeClr>
+          </a:solidFill>
+          <a:prstDash val="solid"/>
+          <a:miter lim="800000"/>
+        </a:ln>
+        <a:effectLst/>
+      </dsp:spPr>
+      <dsp:style>
+        <a:lnRef idx="2">
+          <a:scrgbClr r="0" g="0" b="0"/>
+        </a:lnRef>
+        <a:fillRef idx="1">
+          <a:scrgbClr r="0" g="0" b="0"/>
+        </a:fillRef>
+        <a:effectRef idx="0">
+          <a:scrgbClr r="0" g="0" b="0"/>
+        </a:effectRef>
+        <a:fontRef idx="minor">
+          <a:schemeClr val="lt1"/>
+        </a:fontRef>
+      </dsp:style>
+      <dsp:txBody>
+        <a:bodyPr spcFirstLastPara="0" vert="horz" wrap="square" lIns="142240" tIns="142240" rIns="142240" bIns="142240" numCol="1" spcCol="1270" anchor="ctr" anchorCtr="0">
+          <a:noAutofit/>
+        </a:bodyPr>
+        <a:lstStyle/>
+        <a:p>
+          <a:pPr marL="0" lvl="0" indent="0" algn="ctr" defTabSz="889000">
+            <a:lnSpc>
+              <a:spcPct val="90000"/>
+            </a:lnSpc>
+            <a:spcBef>
+              <a:spcPct val="0"/>
+            </a:spcBef>
+            <a:spcAft>
+              <a:spcPct val="35000"/>
+            </a:spcAft>
+            <a:buNone/>
+          </a:pPr>
+          <a:r>
+            <a:rPr lang="en-GB" sz="2000" kern="1200" dirty="0"/>
+            <a:t>Model Training (Finetune from InceptionV3 model)</a:t>
+          </a:r>
+        </a:p>
+      </dsp:txBody>
+      <dsp:txXfrm>
+        <a:off x="3740534" y="2524640"/>
+        <a:ext cx="3034531" cy="1820718"/>
+      </dsp:txXfrm>
+    </dsp:sp>
+    <dsp:sp modelId="{1C19B03F-7855-4DDA-9A0E-26E2160B7C33}">
+      <dsp:nvSpPr>
+        <dsp:cNvPr id="0" name=""/>
+        <dsp:cNvSpPr/>
+      </dsp:nvSpPr>
+      <dsp:spPr>
+        <a:xfrm>
+          <a:off x="7473007" y="2524640"/>
+          <a:ext cx="3034531" cy="1820718"/>
+        </a:xfrm>
+        <a:prstGeom prst="rect">
+          <a:avLst/>
+        </a:prstGeom>
+        <a:solidFill>
+          <a:schemeClr val="accent1">
+            <a:hueOff val="0"/>
+            <a:satOff val="0"/>
+            <a:lumOff val="0"/>
+            <a:alphaOff val="0"/>
+          </a:schemeClr>
+        </a:solidFill>
+        <a:ln w="12700" cap="flat" cmpd="sng" algn="ctr">
+          <a:solidFill>
+            <a:schemeClr val="lt1">
+              <a:hueOff val="0"/>
+              <a:satOff val="0"/>
+              <a:lumOff val="0"/>
+              <a:alphaOff val="0"/>
+            </a:schemeClr>
+          </a:solidFill>
+          <a:prstDash val="solid"/>
+          <a:miter lim="800000"/>
+        </a:ln>
+        <a:effectLst/>
+      </dsp:spPr>
+      <dsp:style>
+        <a:lnRef idx="2">
+          <a:scrgbClr r="0" g="0" b="0"/>
+        </a:lnRef>
+        <a:fillRef idx="1">
+          <a:scrgbClr r="0" g="0" b="0"/>
+        </a:fillRef>
+        <a:effectRef idx="0">
+          <a:scrgbClr r="0" g="0" b="0"/>
+        </a:effectRef>
+        <a:fontRef idx="minor">
+          <a:schemeClr val="lt1"/>
+        </a:fontRef>
+      </dsp:style>
+      <dsp:txBody>
+        <a:bodyPr spcFirstLastPara="0" vert="horz" wrap="square" lIns="142240" tIns="142240" rIns="142240" bIns="142240" numCol="1" spcCol="1270" anchor="ctr" anchorCtr="0">
+          <a:noAutofit/>
+        </a:bodyPr>
+        <a:lstStyle/>
+        <a:p>
+          <a:pPr marL="0" lvl="0" indent="0" algn="ctr" defTabSz="889000">
+            <a:lnSpc>
+              <a:spcPct val="90000"/>
+            </a:lnSpc>
+            <a:spcBef>
+              <a:spcPct val="0"/>
+            </a:spcBef>
+            <a:spcAft>
+              <a:spcPct val="35000"/>
+            </a:spcAft>
+            <a:buNone/>
+          </a:pPr>
+          <a:r>
+            <a:rPr lang="en-GB" sz="2000" kern="1200" dirty="0"/>
+            <a:t>Model Evaluation (Confusion matrix, ROC curve, Grad-CAM)</a:t>
+          </a:r>
+        </a:p>
+      </dsp:txBody>
+      <dsp:txXfrm>
+        <a:off x="7473007" y="2524640"/>
+        <a:ext cx="3034531" cy="1820718"/>
       </dsp:txXfrm>
     </dsp:sp>
   </dsp:spTree>
@@ -3061,7 +3502,7 @@
           <a:p>
             <a:fld id="{FD4C6F48-83F7-4BE8-81F4-50AFD5BE024F}" type="datetimeFigureOut">
               <a:rPr lang="en-GB" smtClean="0"/>
-              <a:t>13/12/2020</a:t>
+              <a:t>25/12/2020</a:t>
             </a:fld>
             <a:endParaRPr lang="en-GB"/>
           </a:p>
@@ -3261,7 +3702,7 @@
           <a:p>
             <a:fld id="{FD4C6F48-83F7-4BE8-81F4-50AFD5BE024F}" type="datetimeFigureOut">
               <a:rPr lang="en-GB" smtClean="0"/>
-              <a:t>13/12/2020</a:t>
+              <a:t>25/12/2020</a:t>
             </a:fld>
             <a:endParaRPr lang="en-GB"/>
           </a:p>
@@ -3471,7 +3912,7 @@
           <a:p>
             <a:fld id="{FD4C6F48-83F7-4BE8-81F4-50AFD5BE024F}" type="datetimeFigureOut">
               <a:rPr lang="en-GB" smtClean="0"/>
-              <a:t>13/12/2020</a:t>
+              <a:t>25/12/2020</a:t>
             </a:fld>
             <a:endParaRPr lang="en-GB"/>
           </a:p>
@@ -3671,7 +4112,7 @@
           <a:p>
             <a:fld id="{FD4C6F48-83F7-4BE8-81F4-50AFD5BE024F}" type="datetimeFigureOut">
               <a:rPr lang="en-GB" smtClean="0"/>
-              <a:t>13/12/2020</a:t>
+              <a:t>25/12/2020</a:t>
             </a:fld>
             <a:endParaRPr lang="en-GB"/>
           </a:p>
@@ -3947,7 +4388,7 @@
           <a:p>
             <a:fld id="{FD4C6F48-83F7-4BE8-81F4-50AFD5BE024F}" type="datetimeFigureOut">
               <a:rPr lang="en-GB" smtClean="0"/>
-              <a:t>13/12/2020</a:t>
+              <a:t>25/12/2020</a:t>
             </a:fld>
             <a:endParaRPr lang="en-GB"/>
           </a:p>
@@ -4215,7 +4656,7 @@
           <a:p>
             <a:fld id="{FD4C6F48-83F7-4BE8-81F4-50AFD5BE024F}" type="datetimeFigureOut">
               <a:rPr lang="en-GB" smtClean="0"/>
-              <a:t>13/12/2020</a:t>
+              <a:t>25/12/2020</a:t>
             </a:fld>
             <a:endParaRPr lang="en-GB"/>
           </a:p>
@@ -4630,7 +5071,7 @@
           <a:p>
             <a:fld id="{FD4C6F48-83F7-4BE8-81F4-50AFD5BE024F}" type="datetimeFigureOut">
               <a:rPr lang="en-GB" smtClean="0"/>
-              <a:t>13/12/2020</a:t>
+              <a:t>25/12/2020</a:t>
             </a:fld>
             <a:endParaRPr lang="en-GB"/>
           </a:p>
@@ -4772,7 +5213,7 @@
           <a:p>
             <a:fld id="{FD4C6F48-83F7-4BE8-81F4-50AFD5BE024F}" type="datetimeFigureOut">
               <a:rPr lang="en-GB" smtClean="0"/>
-              <a:t>13/12/2020</a:t>
+              <a:t>25/12/2020</a:t>
             </a:fld>
             <a:endParaRPr lang="en-GB"/>
           </a:p>
@@ -4885,7 +5326,7 @@
           <a:p>
             <a:fld id="{FD4C6F48-83F7-4BE8-81F4-50AFD5BE024F}" type="datetimeFigureOut">
               <a:rPr lang="en-GB" smtClean="0"/>
-              <a:t>13/12/2020</a:t>
+              <a:t>25/12/2020</a:t>
             </a:fld>
             <a:endParaRPr lang="en-GB"/>
           </a:p>
@@ -5198,7 +5639,7 @@
           <a:p>
             <a:fld id="{FD4C6F48-83F7-4BE8-81F4-50AFD5BE024F}" type="datetimeFigureOut">
               <a:rPr lang="en-GB" smtClean="0"/>
-              <a:t>13/12/2020</a:t>
+              <a:t>25/12/2020</a:t>
             </a:fld>
             <a:endParaRPr lang="en-GB"/>
           </a:p>
@@ -5487,7 +5928,7 @@
           <a:p>
             <a:fld id="{FD4C6F48-83F7-4BE8-81F4-50AFD5BE024F}" type="datetimeFigureOut">
               <a:rPr lang="en-GB" smtClean="0"/>
-              <a:t>13/12/2020</a:t>
+              <a:t>25/12/2020</a:t>
             </a:fld>
             <a:endParaRPr lang="en-GB"/>
           </a:p>
@@ -5730,7 +6171,7 @@
           <a:p>
             <a:fld id="{FD4C6F48-83F7-4BE8-81F4-50AFD5BE024F}" type="datetimeFigureOut">
               <a:rPr lang="en-GB" smtClean="0"/>
-              <a:t>13/12/2020</a:t>
+              <a:t>25/12/2020</a:t>
             </a:fld>
             <a:endParaRPr lang="en-GB"/>
           </a:p>
@@ -6285,65 +6726,192 @@
         </p:nvSpPr>
         <p:spPr/>
         <p:txBody>
-          <a:bodyPr/>
+          <a:bodyPr>
+            <a:normAutofit/>
+          </a:bodyPr>
           <a:lstStyle/>
           <a:p>
-            <a:r>
-              <a:rPr lang="en-GB" dirty="0"/>
+            <a:pPr marL="342900" lvl="0" indent="-342900">
+              <a:lnSpc>
+                <a:spcPct val="115000"/>
+              </a:lnSpc>
+              <a:buFont typeface="Symbol" panose="05050102010706020507" pitchFamily="18" charset="2"/>
+              <a:buChar char=""/>
+            </a:pPr>
+            <a:r>
+              <a:rPr lang="en-GB" sz="2000" dirty="0">
+                <a:effectLst/>
+                <a:latin typeface="Calibri" panose="020F0502020204030204" pitchFamily="34" charset="0"/>
+                <a:ea typeface="DengXian" panose="02010600030101010101" pitchFamily="2" charset="-122"/>
+                <a:cs typeface="Times New Roman" panose="02020603050405020304" pitchFamily="18" charset="0"/>
+              </a:rPr>
               <a:t>Python</a:t>
             </a:r>
           </a:p>
           <a:p>
-            <a:r>
-              <a:rPr lang="en-GB" dirty="0" err="1"/>
+            <a:pPr marL="342900" lvl="0" indent="-342900">
+              <a:lnSpc>
+                <a:spcPct val="115000"/>
+              </a:lnSpc>
+              <a:buFont typeface="Symbol" panose="05050102010706020507" pitchFamily="18" charset="2"/>
+              <a:buChar char=""/>
+            </a:pPr>
+            <a:r>
+              <a:rPr lang="en-GB" sz="2000" dirty="0" err="1">
+                <a:effectLst/>
+                <a:latin typeface="Calibri" panose="020F0502020204030204" pitchFamily="34" charset="0"/>
+                <a:ea typeface="DengXian" panose="02010600030101010101" pitchFamily="2" charset="-122"/>
+                <a:cs typeface="Times New Roman" panose="02020603050405020304" pitchFamily="18" charset="0"/>
+              </a:rPr>
               <a:t>Tensorflow</a:t>
             </a:r>
             <a:r>
-              <a:rPr lang="en-GB" dirty="0"/>
-              <a:t> 2.0 &amp; </a:t>
-            </a:r>
-            <a:r>
-              <a:rPr lang="en-GB" dirty="0" err="1"/>
+              <a:rPr lang="en-GB" sz="2000" dirty="0">
+                <a:effectLst/>
+                <a:latin typeface="Calibri" panose="020F0502020204030204" pitchFamily="34" charset="0"/>
+                <a:ea typeface="DengXian" panose="02010600030101010101" pitchFamily="2" charset="-122"/>
+                <a:cs typeface="Times New Roman" panose="02020603050405020304" pitchFamily="18" charset="0"/>
+              </a:rPr>
+              <a:t> 2.4.0 &amp; </a:t>
+            </a:r>
+            <a:r>
+              <a:rPr lang="en-GB" sz="2000" dirty="0" err="1">
+                <a:effectLst/>
+                <a:latin typeface="Calibri" panose="020F0502020204030204" pitchFamily="34" charset="0"/>
+                <a:ea typeface="DengXian" panose="02010600030101010101" pitchFamily="2" charset="-122"/>
+                <a:cs typeface="Times New Roman" panose="02020603050405020304" pitchFamily="18" charset="0"/>
+              </a:rPr>
               <a:t>Keras</a:t>
             </a:r>
-            <a:endParaRPr lang="en-GB" dirty="0"/>
-          </a:p>
-          <a:p>
-            <a:r>
-              <a:rPr lang="en-GB" dirty="0"/>
+            <a:endParaRPr lang="en-GB" sz="2000" dirty="0">
+              <a:effectLst/>
+              <a:latin typeface="Calibri" panose="020F0502020204030204" pitchFamily="34" charset="0"/>
+              <a:ea typeface="DengXian" panose="02010600030101010101" pitchFamily="2" charset="-122"/>
+              <a:cs typeface="Times New Roman" panose="02020603050405020304" pitchFamily="18" charset="0"/>
+            </a:endParaRPr>
+          </a:p>
+          <a:p>
+            <a:pPr marL="342900" lvl="0" indent="-342900">
+              <a:lnSpc>
+                <a:spcPct val="115000"/>
+              </a:lnSpc>
+              <a:buFont typeface="Symbol" panose="05050102010706020507" pitchFamily="18" charset="2"/>
+              <a:buChar char=""/>
+            </a:pPr>
+            <a:r>
+              <a:rPr lang="en-GB" sz="2000" dirty="0">
+                <a:effectLst/>
+                <a:latin typeface="Calibri" panose="020F0502020204030204" pitchFamily="34" charset="0"/>
+                <a:ea typeface="DengXian" panose="02010600030101010101" pitchFamily="2" charset="-122"/>
+                <a:cs typeface="Times New Roman" panose="02020603050405020304" pitchFamily="18" charset="0"/>
+              </a:rPr>
               <a:t>Matplotlib</a:t>
             </a:r>
           </a:p>
           <a:p>
-            <a:r>
-              <a:rPr lang="en-GB" dirty="0"/>
+            <a:pPr marL="342900" lvl="0" indent="-342900">
+              <a:lnSpc>
+                <a:spcPct val="115000"/>
+              </a:lnSpc>
+              <a:buFont typeface="Symbol" panose="05050102010706020507" pitchFamily="18" charset="2"/>
+              <a:buChar char=""/>
+            </a:pPr>
+            <a:r>
+              <a:rPr lang="en-GB" sz="2000" dirty="0">
+                <a:effectLst/>
+                <a:latin typeface="Calibri" panose="020F0502020204030204" pitchFamily="34" charset="0"/>
+                <a:ea typeface="DengXian" panose="02010600030101010101" pitchFamily="2" charset="-122"/>
+                <a:cs typeface="Times New Roman" panose="02020603050405020304" pitchFamily="18" charset="0"/>
+              </a:rPr>
               <a:t>Scikit-learn</a:t>
             </a:r>
           </a:p>
           <a:p>
-            <a:r>
-              <a:rPr lang="en-GB" dirty="0"/>
+            <a:pPr marL="342900" lvl="0" indent="-342900">
+              <a:lnSpc>
+                <a:spcPct val="115000"/>
+              </a:lnSpc>
+              <a:buFont typeface="Symbol" panose="05050102010706020507" pitchFamily="18" charset="2"/>
+              <a:buChar char=""/>
+            </a:pPr>
+            <a:r>
+              <a:rPr lang="en-GB" sz="2000" dirty="0">
+                <a:effectLst/>
+                <a:latin typeface="Calibri" panose="020F0502020204030204" pitchFamily="34" charset="0"/>
+                <a:ea typeface="DengXian" panose="02010600030101010101" pitchFamily="2" charset="-122"/>
+                <a:cs typeface="Times New Roman" panose="02020603050405020304" pitchFamily="18" charset="0"/>
+              </a:rPr>
               <a:t>OpenCV</a:t>
             </a:r>
           </a:p>
           <a:p>
-            <a:r>
-              <a:rPr lang="en-GB" dirty="0"/>
+            <a:pPr marL="342900" lvl="0" indent="-342900">
+              <a:lnSpc>
+                <a:spcPct val="115000"/>
+              </a:lnSpc>
+              <a:buFont typeface="Symbol" panose="05050102010706020507" pitchFamily="18" charset="2"/>
+              <a:buChar char=""/>
+            </a:pPr>
+            <a:r>
+              <a:rPr lang="en-GB" sz="2000" dirty="0">
+                <a:effectLst/>
+                <a:latin typeface="Calibri" panose="020F0502020204030204" pitchFamily="34" charset="0"/>
+                <a:ea typeface="DengXian" panose="02010600030101010101" pitchFamily="2" charset="-122"/>
+                <a:cs typeface="Times New Roman" panose="02020603050405020304" pitchFamily="18" charset="0"/>
+              </a:rPr>
               <a:t>Pillow</a:t>
             </a:r>
           </a:p>
           <a:p>
-            <a:r>
-              <a:rPr lang="en-GB" dirty="0"/>
-              <a:t>Scikit-image</a:t>
-            </a:r>
-          </a:p>
-          <a:p>
-            <a:r>
-              <a:rPr lang="en-GB" dirty="0" err="1"/>
-              <a:t>imgaug</a:t>
-            </a:r>
-            <a:endParaRPr lang="en-GB" dirty="0"/>
+            <a:pPr marL="342900" lvl="0" indent="-342900">
+              <a:lnSpc>
+                <a:spcPct val="115000"/>
+              </a:lnSpc>
+              <a:buFont typeface="Symbol" panose="05050102010706020507" pitchFamily="18" charset="2"/>
+              <a:buChar char=""/>
+            </a:pPr>
+            <a:r>
+              <a:rPr lang="en-GB" sz="2000" dirty="0" err="1">
+                <a:effectLst/>
+                <a:latin typeface="Calibri" panose="020F0502020204030204" pitchFamily="34" charset="0"/>
+                <a:ea typeface="DengXian" panose="02010600030101010101" pitchFamily="2" charset="-122"/>
+                <a:cs typeface="Times New Roman" panose="02020603050405020304" pitchFamily="18" charset="0"/>
+              </a:rPr>
+              <a:t>Numpy</a:t>
+            </a:r>
+            <a:endParaRPr lang="en-GB" sz="2000" dirty="0">
+              <a:effectLst/>
+              <a:latin typeface="Calibri" panose="020F0502020204030204" pitchFamily="34" charset="0"/>
+              <a:ea typeface="DengXian" panose="02010600030101010101" pitchFamily="2" charset="-122"/>
+              <a:cs typeface="Times New Roman" panose="02020603050405020304" pitchFamily="18" charset="0"/>
+            </a:endParaRPr>
+          </a:p>
+          <a:p>
+            <a:pPr marL="342900" lvl="0" indent="-342900">
+              <a:lnSpc>
+                <a:spcPct val="115000"/>
+              </a:lnSpc>
+              <a:spcAft>
+                <a:spcPts val="800"/>
+              </a:spcAft>
+              <a:buFont typeface="Symbol" panose="05050102010706020507" pitchFamily="18" charset="2"/>
+              <a:buChar char=""/>
+            </a:pPr>
+            <a:r>
+              <a:rPr lang="en-GB" sz="2000" dirty="0" err="1">
+                <a:effectLst/>
+                <a:latin typeface="Calibri" panose="020F0502020204030204" pitchFamily="34" charset="0"/>
+                <a:ea typeface="DengXian" panose="02010600030101010101" pitchFamily="2" charset="-122"/>
+                <a:cs typeface="Times New Roman" panose="02020603050405020304" pitchFamily="18" charset="0"/>
+              </a:rPr>
+              <a:t>Imageio</a:t>
+            </a:r>
+            <a:endParaRPr lang="en-GB" sz="2000" dirty="0">
+              <a:effectLst/>
+              <a:latin typeface="Calibri" panose="020F0502020204030204" pitchFamily="34" charset="0"/>
+              <a:ea typeface="DengXian" panose="02010600030101010101" pitchFamily="2" charset="-122"/>
+              <a:cs typeface="Times New Roman" panose="02020603050405020304" pitchFamily="18" charset="0"/>
+            </a:endParaRPr>
           </a:p>
         </p:txBody>
       </p:sp>
@@ -6421,7 +6989,7 @@
             <p:ph idx="1"/>
             <p:extLst>
               <p:ext uri="{D42A27DB-BD31-4B8C-83A1-F6EECF244321}">
-                <p14:modId xmlns:p14="http://schemas.microsoft.com/office/powerpoint/2010/main" val="2788992825"/>
+                <p14:modId xmlns:p14="http://schemas.microsoft.com/office/powerpoint/2010/main" val="2499870377"/>
               </p:ext>
             </p:extLst>
           </p:nvPr>
